--- a/quarto/quarto_template.pptx
+++ b/quarto/quarto_template.pptx
@@ -1,6 +1,6 @@
 
 <file path=ppt/presentation.xml><?xml version="1.0" encoding="utf-8"?>
-<p:presentation xmlns:a="http://schemas.openxmlformats.org/drawingml/2006/main" xmlns:r="http://schemas.openxmlformats.org/officeDocument/2006/relationships" xmlns:p="http://schemas.openxmlformats.org/presentationml/2006/main" saveSubsetFonts="1">
+<p:presentation xmlns:a="http://schemas.openxmlformats.org/drawingml/2006/main" xmlns:p="http://schemas.openxmlformats.org/presentationml/2006/main" xmlns:r="http://schemas.openxmlformats.org/officeDocument/2006/relationships" saveSubsetFonts="1">
   <p:sldMasterIdLst>
     <p:sldMasterId id="2147483672" r:id="rId1"/>
   </p:sldMasterIdLst>
@@ -8,10 +8,11 @@
     <p:sldId id="256" r:id="rId2"/>
     <p:sldId id="257" r:id="rId3"/>
     <p:sldId id="258" r:id="rId4"/>
-    <p:sldId id="260" r:id="rId5"/>
-    <p:sldId id="261" r:id="rId6"/>
-    <p:sldId id="262" r:id="rId7"/>
-    <p:sldId id="263" r:id="rId8"/>
+    <p:sldId id="259" r:id="rId5"/>
+    <p:sldId id="260" r:id="rId6"/>
+    <p:sldId id="261" r:id="rId7"/>
+    <p:sldId id="262" r:id="rId8"/>
+    <p:sldId id="263" r:id="rId9"/>
   </p:sldIdLst>
   <p:sldSz cx="12192000" cy="6858000"/>
   <p:notesSz cx="6858000" cy="9144000"/>
@@ -19,8 +20,8 @@
     <a:defPPr>
       <a:defRPr lang="en-US"/>
     </a:defPPr>
-    <a:lvl1pPr marL="0" algn="l" defTabSz="914400" rtl="0" eaLnBrk="1" latinLnBrk="0" hangingPunct="1">
-      <a:defRPr sz="1800" kern="1200">
+    <a:lvl1pPr algn="l" defTabSz="914400" eaLnBrk="1" hangingPunct="1" latinLnBrk="0" marL="0" rtl="0">
+      <a:defRPr kern="1200" sz="1800">
         <a:solidFill>
           <a:schemeClr val="tx1"/>
         </a:solidFill>
@@ -29,8 +30,8 @@
         <a:cs typeface="+mn-cs"/>
       </a:defRPr>
     </a:lvl1pPr>
-    <a:lvl2pPr marL="457200" algn="l" defTabSz="914400" rtl="0" eaLnBrk="1" latinLnBrk="0" hangingPunct="1">
-      <a:defRPr sz="1800" kern="1200">
+    <a:lvl2pPr algn="l" defTabSz="914400" eaLnBrk="1" hangingPunct="1" latinLnBrk="0" marL="457200" rtl="0">
+      <a:defRPr kern="1200" sz="1800">
         <a:solidFill>
           <a:schemeClr val="tx1"/>
         </a:solidFill>
@@ -39,8 +40,8 @@
         <a:cs typeface="+mn-cs"/>
       </a:defRPr>
     </a:lvl2pPr>
-    <a:lvl3pPr marL="914400" algn="l" defTabSz="914400" rtl="0" eaLnBrk="1" latinLnBrk="0" hangingPunct="1">
-      <a:defRPr sz="1800" kern="1200">
+    <a:lvl3pPr algn="l" defTabSz="914400" eaLnBrk="1" hangingPunct="1" latinLnBrk="0" marL="914400" rtl="0">
+      <a:defRPr kern="1200" sz="1800">
         <a:solidFill>
           <a:schemeClr val="tx1"/>
         </a:solidFill>
@@ -49,8 +50,8 @@
         <a:cs typeface="+mn-cs"/>
       </a:defRPr>
     </a:lvl3pPr>
-    <a:lvl4pPr marL="1371600" algn="l" defTabSz="914400" rtl="0" eaLnBrk="1" latinLnBrk="0" hangingPunct="1">
-      <a:defRPr sz="1800" kern="1200">
+    <a:lvl4pPr algn="l" defTabSz="914400" eaLnBrk="1" hangingPunct="1" latinLnBrk="0" marL="1371600" rtl="0">
+      <a:defRPr kern="1200" sz="1800">
         <a:solidFill>
           <a:schemeClr val="tx1"/>
         </a:solidFill>
@@ -59,8 +60,8 @@
         <a:cs typeface="+mn-cs"/>
       </a:defRPr>
     </a:lvl4pPr>
-    <a:lvl5pPr marL="1828800" algn="l" defTabSz="914400" rtl="0" eaLnBrk="1" latinLnBrk="0" hangingPunct="1">
-      <a:defRPr sz="1800" kern="1200">
+    <a:lvl5pPr algn="l" defTabSz="914400" eaLnBrk="1" hangingPunct="1" latinLnBrk="0" marL="1828800" rtl="0">
+      <a:defRPr kern="1200" sz="1800">
         <a:solidFill>
           <a:schemeClr val="tx1"/>
         </a:solidFill>
@@ -69,8 +70,8 @@
         <a:cs typeface="+mn-cs"/>
       </a:defRPr>
     </a:lvl5pPr>
-    <a:lvl6pPr marL="2286000" algn="l" defTabSz="914400" rtl="0" eaLnBrk="1" latinLnBrk="0" hangingPunct="1">
-      <a:defRPr sz="1800" kern="1200">
+    <a:lvl6pPr algn="l" defTabSz="914400" eaLnBrk="1" hangingPunct="1" latinLnBrk="0" marL="2286000" rtl="0">
+      <a:defRPr kern="1200" sz="1800">
         <a:solidFill>
           <a:schemeClr val="tx1"/>
         </a:solidFill>
@@ -79,8 +80,8 @@
         <a:cs typeface="+mn-cs"/>
       </a:defRPr>
     </a:lvl6pPr>
-    <a:lvl7pPr marL="2743200" algn="l" defTabSz="914400" rtl="0" eaLnBrk="1" latinLnBrk="0" hangingPunct="1">
-      <a:defRPr sz="1800" kern="1200">
+    <a:lvl7pPr algn="l" defTabSz="914400" eaLnBrk="1" hangingPunct="1" latinLnBrk="0" marL="2743200" rtl="0">
+      <a:defRPr kern="1200" sz="1800">
         <a:solidFill>
           <a:schemeClr val="tx1"/>
         </a:solidFill>
@@ -89,8 +90,8 @@
         <a:cs typeface="+mn-cs"/>
       </a:defRPr>
     </a:lvl7pPr>
-    <a:lvl8pPr marL="3200400" algn="l" defTabSz="914400" rtl="0" eaLnBrk="1" latinLnBrk="0" hangingPunct="1">
-      <a:defRPr sz="1800" kern="1200">
+    <a:lvl8pPr algn="l" defTabSz="914400" eaLnBrk="1" hangingPunct="1" latinLnBrk="0" marL="3200400" rtl="0">
+      <a:defRPr kern="1200" sz="1800">
         <a:solidFill>
           <a:schemeClr val="tx1"/>
         </a:solidFill>
@@ -99,8 +100,8 @@
         <a:cs typeface="+mn-cs"/>
       </a:defRPr>
     </a:lvl8pPr>
-    <a:lvl9pPr marL="3657600" algn="l" defTabSz="914400" rtl="0" eaLnBrk="1" latinLnBrk="0" hangingPunct="1">
-      <a:defRPr sz="1800" kern="1200">
+    <a:lvl9pPr algn="l" defTabSz="914400" eaLnBrk="1" hangingPunct="1" latinLnBrk="0" marL="3657600" rtl="0">
+      <a:defRPr kern="1200" sz="1800">
         <a:solidFill>
           <a:schemeClr val="tx1"/>
         </a:solidFill>
@@ -157,8 +158,8 @@
         </p:nvSpPr>
         <p:spPr>
           <a:xfrm>
-            <a:off x="404326" y="838033"/>
-            <a:ext cx="11408229" cy="3528693"/>
+            <a:off x="7298575" y="0"/>
+            <a:ext cx="4962781" cy="6857999"/>
           </a:xfrm>
           <a:prstGeom prst="rect">
             <a:avLst/>
@@ -190,8 +191,8 @@
           <a:bodyPr rtlCol="0" anchor="ctr"/>
           <a:lstStyle/>
           <a:p>
-            <a:pPr algn="ctr"/>
-            <a:endParaRPr lang="en-CA"/>
+            <a:pPr algn="r"/>
+            <a:endParaRPr lang="en-CA" sz="2800" dirty="0"/>
           </a:p>
         </p:txBody>
       </p:sp>
@@ -213,8 +214,8 @@
         </p:nvSpPr>
         <p:spPr>
           <a:xfrm>
-            <a:off x="404326" y="1397725"/>
-            <a:ext cx="11383347" cy="1073020"/>
+            <a:off x="7759860" y="0"/>
+            <a:ext cx="4040211" cy="2725093"/>
           </a:xfrm>
           <a:noFill/>
           <a:ln>
@@ -241,7 +242,7 @@
           </a:bodyPr>
           <a:lstStyle>
             <a:lvl1pPr algn="ctr">
-              <a:defRPr sz="4400"/>
+              <a:defRPr sz="3600"/>
             </a:lvl1pPr>
           </a:lstStyle>
           <a:p>
@@ -275,8 +276,8 @@
         </p:blipFill>
         <p:spPr>
           <a:xfrm>
-            <a:off x="7140633" y="4463640"/>
-            <a:ext cx="2128058" cy="1897859"/>
+            <a:off x="2253043" y="3599412"/>
+            <a:ext cx="2640383" cy="2354764"/>
           </a:xfrm>
           <a:prstGeom prst="rect">
             <a:avLst/>
@@ -301,16 +302,18 @@
         </p:nvSpPr>
         <p:spPr>
           <a:xfrm>
-            <a:off x="1536440" y="2804016"/>
-            <a:ext cx="9144000" cy="716874"/>
+            <a:off x="7759860" y="3345872"/>
+            <a:ext cx="4110715" cy="716874"/>
           </a:xfrm>
         </p:spPr>
         <p:txBody>
-          <a:bodyPr/>
+          <a:bodyPr>
+            <a:noAutofit/>
+          </a:bodyPr>
           <a:lstStyle>
-            <a:lvl1pPr marL="0" indent="0" algn="ctr">
-              <a:buNone/>
-              <a:defRPr sz="2400">
+            <a:lvl1pPr marL="0" indent="0" algn="r">
+              <a:buNone/>
+              <a:defRPr sz="2800">
                 <a:solidFill>
                   <a:srgbClr val="FCFBF9"/>
                 </a:solidFill>
@@ -351,10 +354,10 @@
           </a:lstStyle>
           <a:p>
             <a:r>
-              <a:rPr lang="en-US"/>
+              <a:rPr lang="en-US" dirty="0"/>
               <a:t>Click to edit Master subtitle style</a:t>
             </a:r>
-            <a:endParaRPr lang="en-CA"/>
+            <a:endParaRPr lang="en-CA" dirty="0"/>
           </a:p>
         </p:txBody>
       </p:sp>
@@ -2470,7 +2473,7 @@
 </file>
 
 <file path=ppt/slideMasters/slideMaster1.xml><?xml version="1.0" encoding="utf-8"?>
-<p:sldMaster xmlns:a="http://schemas.openxmlformats.org/drawingml/2006/main" xmlns:r="http://schemas.openxmlformats.org/officeDocument/2006/relationships" xmlns:p="http://schemas.openxmlformats.org/presentationml/2006/main">
+<p:sldMaster xmlns:a="http://schemas.openxmlformats.org/drawingml/2006/main" xmlns:p="http://schemas.openxmlformats.org/presentationml/2006/main" xmlns:r="http://schemas.openxmlformats.org/officeDocument/2006/relationships">
   <p:cSld>
     <p:bg>
       <p:bgPr>
@@ -2520,7 +2523,7 @@
           </a:prstGeom>
         </p:spPr>
         <p:txBody>
-          <a:bodyPr vert="horz" lIns="91440" tIns="45720" rIns="91440" bIns="45720" rtlCol="0" anchor="ctr">
+          <a:bodyPr anchor="ctr" bIns="45720" lIns="91440" rIns="91440" rtlCol="0" tIns="45720" vert="horz">
             <a:normAutofit/>
           </a:bodyPr>
           <a:lstStyle/>
@@ -2546,7 +2549,7 @@
             <a:spLocks noGrp="1"/>
           </p:cNvSpPr>
           <p:nvPr>
-            <p:ph type="body" idx="1"/>
+            <p:ph idx="1" type="body"/>
           </p:nvPr>
         </p:nvSpPr>
         <p:spPr>
@@ -2559,45 +2562,45 @@
           </a:prstGeom>
         </p:spPr>
         <p:txBody>
-          <a:bodyPr vert="horz" lIns="91440" tIns="45720" rIns="91440" bIns="45720" rtlCol="0">
+          <a:bodyPr bIns="45720" lIns="91440" rIns="91440" rtlCol="0" tIns="45720" vert="horz">
             <a:normAutofit/>
           </a:bodyPr>
           <a:lstStyle/>
           <a:p>
             <a:pPr lvl="0"/>
             <a:r>
-              <a:rPr lang="en-US" dirty="0"/>
+              <a:rPr dirty="0" lang="en-US"/>
               <a:t>Click to edit Master text styles</a:t>
             </a:r>
           </a:p>
           <a:p>
             <a:pPr lvl="1"/>
             <a:r>
-              <a:rPr lang="en-US" dirty="0"/>
+              <a:rPr dirty="0" lang="en-US"/>
               <a:t>Second level</a:t>
             </a:r>
           </a:p>
           <a:p>
             <a:pPr lvl="2"/>
             <a:r>
-              <a:rPr lang="en-US" dirty="0"/>
+              <a:rPr dirty="0" lang="en-US"/>
               <a:t>Third level</a:t>
             </a:r>
           </a:p>
           <a:p>
             <a:pPr lvl="3"/>
             <a:r>
-              <a:rPr lang="en-US" dirty="0"/>
+              <a:rPr dirty="0" lang="en-US"/>
               <a:t>Fourth level</a:t>
             </a:r>
           </a:p>
           <a:p>
             <a:pPr lvl="4"/>
             <a:r>
-              <a:rPr lang="en-US" dirty="0"/>
+              <a:rPr dirty="0" lang="en-US"/>
               <a:t>Fifth level</a:t>
             </a:r>
-            <a:endParaRPr lang="en-CA" dirty="0"/>
+            <a:endParaRPr dirty="0" lang="en-CA"/>
           </a:p>
         </p:txBody>
       </p:sp>
@@ -2608,7 +2611,7 @@
       </p:ext>
     </p:extLst>
   </p:cSld>
-  <p:clrMap bg1="lt1" tx1="dk1" bg2="lt2" tx2="dk2" accent1="accent1" accent2="accent2" accent3="accent3" accent4="accent4" accent5="accent5" accent6="accent6" hlink="hlink" folHlink="folHlink"/>
+  <p:clrMap accent1="accent1" accent2="accent2" accent3="accent3" accent4="accent4" accent5="accent5" accent6="accent6" bg1="lt1" bg2="lt2" folHlink="folHlink" hlink="hlink" tx1="dk1" tx2="dk2"/>
   <p:sldLayoutIdLst>
     <p:sldLayoutId id="2147483673" r:id="rId1"/>
     <p:sldLayoutId id="2147483674" r:id="rId2"/>
@@ -2624,7 +2627,7 @@
   </p:sldLayoutIdLst>
   <p:txStyles>
     <p:titleStyle>
-      <a:lvl1pPr algn="l" defTabSz="914400" rtl="0" eaLnBrk="1" latinLnBrk="0" hangingPunct="1">
+      <a:lvl1pPr algn="l" defTabSz="914400" eaLnBrk="1" hangingPunct="1" latinLnBrk="0" rtl="0">
         <a:lnSpc>
           <a:spcPct val="90000"/>
         </a:lnSpc>
@@ -2632,7 +2635,7 @@
           <a:spcPct val="0"/>
         </a:spcBef>
         <a:buNone/>
-        <a:defRPr sz="4400" kern="1200">
+        <a:defRPr kern="1200" sz="4400">
           <a:solidFill>
             <a:srgbClr val="006791"/>
           </a:solidFill>
@@ -2643,106 +2646,106 @@
       </a:lvl1pPr>
     </p:titleStyle>
     <p:bodyStyle>
-      <a:lvl1pPr marL="228600" indent="-228600" algn="l" defTabSz="914400" rtl="0" eaLnBrk="1" latinLnBrk="0" hangingPunct="1">
+      <a:lvl1pPr algn="l" defTabSz="914400" eaLnBrk="1" hangingPunct="1" indent="-228600" latinLnBrk="0" marL="228600" rtl="0">
         <a:lnSpc>
           <a:spcPct val="100000"/>
         </a:lnSpc>
         <a:spcBef>
           <a:spcPts val="1000"/>
         </a:spcBef>
-        <a:buFont typeface="Arial" panose="020B0604020202020204" pitchFamily="34" charset="0"/>
+        <a:buFont charset="0" panose="020B0604020202020204" pitchFamily="34" typeface="Arial"/>
         <a:buChar char="•"/>
-        <a:defRPr sz="2400" kern="1200">
+        <a:defRPr kern="1200" sz="2400">
           <a:solidFill>
             <a:srgbClr val="041C2C"/>
           </a:solidFill>
-          <a:latin typeface="Arial" panose="020B0604020202020204" pitchFamily="34" charset="0"/>
+          <a:latin charset="0" panose="020B0604020202020204" pitchFamily="34" typeface="Arial"/>
           <a:ea typeface="+mn-ea"/>
-          <a:cs typeface="Arial" panose="020B0604020202020204" pitchFamily="34" charset="0"/>
+          <a:cs charset="0" panose="020B0604020202020204" pitchFamily="34" typeface="Arial"/>
         </a:defRPr>
       </a:lvl1pPr>
-      <a:lvl2pPr marL="685800" indent="-228600" algn="l" defTabSz="914400" rtl="0" eaLnBrk="1" latinLnBrk="0" hangingPunct="1">
+      <a:lvl2pPr algn="l" defTabSz="914400" eaLnBrk="1" hangingPunct="1" indent="-228600" latinLnBrk="0" marL="685800" rtl="0">
         <a:lnSpc>
           <a:spcPct val="90000"/>
         </a:lnSpc>
         <a:spcBef>
           <a:spcPts val="500"/>
         </a:spcBef>
-        <a:buFont typeface="Arial" panose="020B0604020202020204" pitchFamily="34" charset="0"/>
+        <a:buFont charset="0" panose="020B0604020202020204" pitchFamily="34" typeface="Arial"/>
         <a:buChar char="•"/>
-        <a:defRPr sz="2200" kern="1200">
+        <a:defRPr kern="1200" sz="2200">
           <a:solidFill>
             <a:srgbClr val="041C2C"/>
           </a:solidFill>
-          <a:latin typeface="Arial" panose="020B0604020202020204" pitchFamily="34" charset="0"/>
+          <a:latin charset="0" panose="020B0604020202020204" pitchFamily="34" typeface="Arial"/>
           <a:ea typeface="+mn-ea"/>
-          <a:cs typeface="Arial" panose="020B0604020202020204" pitchFamily="34" charset="0"/>
+          <a:cs charset="0" panose="020B0604020202020204" pitchFamily="34" typeface="Arial"/>
         </a:defRPr>
       </a:lvl2pPr>
-      <a:lvl3pPr marL="1143000" indent="-228600" algn="l" defTabSz="914400" rtl="0" eaLnBrk="1" latinLnBrk="0" hangingPunct="1">
+      <a:lvl3pPr algn="l" defTabSz="914400" eaLnBrk="1" hangingPunct="1" indent="-228600" latinLnBrk="0" marL="1143000" rtl="0">
         <a:lnSpc>
           <a:spcPct val="90000"/>
         </a:lnSpc>
         <a:spcBef>
           <a:spcPts val="500"/>
         </a:spcBef>
-        <a:buFont typeface="Arial" panose="020B0604020202020204" pitchFamily="34" charset="0"/>
+        <a:buFont charset="0" panose="020B0604020202020204" pitchFamily="34" typeface="Arial"/>
         <a:buChar char="•"/>
-        <a:defRPr sz="2000" kern="1200">
+        <a:defRPr kern="1200" sz="2000">
           <a:solidFill>
             <a:srgbClr val="041C2C"/>
           </a:solidFill>
-          <a:latin typeface="Arial" panose="020B0604020202020204" pitchFamily="34" charset="0"/>
+          <a:latin charset="0" panose="020B0604020202020204" pitchFamily="34" typeface="Arial"/>
           <a:ea typeface="+mn-ea"/>
-          <a:cs typeface="Arial" panose="020B0604020202020204" pitchFamily="34" charset="0"/>
+          <a:cs charset="0" panose="020B0604020202020204" pitchFamily="34" typeface="Arial"/>
         </a:defRPr>
       </a:lvl3pPr>
-      <a:lvl4pPr marL="1600200" indent="-228600" algn="l" defTabSz="914400" rtl="0" eaLnBrk="1" latinLnBrk="0" hangingPunct="1">
+      <a:lvl4pPr algn="l" defTabSz="914400" eaLnBrk="1" hangingPunct="1" indent="-228600" latinLnBrk="0" marL="1600200" rtl="0">
         <a:lnSpc>
           <a:spcPct val="90000"/>
         </a:lnSpc>
         <a:spcBef>
           <a:spcPts val="500"/>
         </a:spcBef>
-        <a:buFont typeface="Arial" panose="020B0604020202020204" pitchFamily="34" charset="0"/>
+        <a:buFont charset="0" panose="020B0604020202020204" pitchFamily="34" typeface="Arial"/>
         <a:buChar char="•"/>
-        <a:defRPr sz="1800" kern="1200">
+        <a:defRPr kern="1200" sz="1800">
           <a:solidFill>
             <a:srgbClr val="041C2C"/>
           </a:solidFill>
-          <a:latin typeface="Arial" panose="020B0604020202020204" pitchFamily="34" charset="0"/>
+          <a:latin charset="0" panose="020B0604020202020204" pitchFamily="34" typeface="Arial"/>
           <a:ea typeface="+mn-ea"/>
-          <a:cs typeface="Arial" panose="020B0604020202020204" pitchFamily="34" charset="0"/>
+          <a:cs charset="0" panose="020B0604020202020204" pitchFamily="34" typeface="Arial"/>
         </a:defRPr>
       </a:lvl4pPr>
-      <a:lvl5pPr marL="2057400" indent="-228600" algn="l" defTabSz="914400" rtl="0" eaLnBrk="1" latinLnBrk="0" hangingPunct="1">
+      <a:lvl5pPr algn="l" defTabSz="914400" eaLnBrk="1" hangingPunct="1" indent="-228600" latinLnBrk="0" marL="2057400" rtl="0">
         <a:lnSpc>
           <a:spcPct val="90000"/>
         </a:lnSpc>
         <a:spcBef>
           <a:spcPts val="500"/>
         </a:spcBef>
-        <a:buFont typeface="Arial" panose="020B0604020202020204" pitchFamily="34" charset="0"/>
+        <a:buFont charset="0" panose="020B0604020202020204" pitchFamily="34" typeface="Arial"/>
         <a:buChar char="•"/>
-        <a:defRPr sz="1800" kern="1200">
+        <a:defRPr kern="1200" sz="1800">
           <a:solidFill>
             <a:srgbClr val="041C2C"/>
           </a:solidFill>
-          <a:latin typeface="Arial" panose="020B0604020202020204" pitchFamily="34" charset="0"/>
+          <a:latin charset="0" panose="020B0604020202020204" pitchFamily="34" typeface="Arial"/>
           <a:ea typeface="+mn-ea"/>
-          <a:cs typeface="Arial" panose="020B0604020202020204" pitchFamily="34" charset="0"/>
+          <a:cs charset="0" panose="020B0604020202020204" pitchFamily="34" typeface="Arial"/>
         </a:defRPr>
       </a:lvl5pPr>
-      <a:lvl6pPr marL="2514600" indent="-228600" algn="l" defTabSz="914400" rtl="0" eaLnBrk="1" latinLnBrk="0" hangingPunct="1">
+      <a:lvl6pPr algn="l" defTabSz="914400" eaLnBrk="1" hangingPunct="1" indent="-228600" latinLnBrk="0" marL="2514600" rtl="0">
         <a:lnSpc>
           <a:spcPct val="90000"/>
         </a:lnSpc>
         <a:spcBef>
           <a:spcPts val="500"/>
         </a:spcBef>
-        <a:buFont typeface="Arial" panose="020B0604020202020204" pitchFamily="34" charset="0"/>
+        <a:buFont charset="0" panose="020B0604020202020204" pitchFamily="34" typeface="Arial"/>
         <a:buChar char="•"/>
-        <a:defRPr sz="1800" kern="1200">
+        <a:defRPr kern="1200" sz="1800">
           <a:solidFill>
             <a:schemeClr val="tx1"/>
           </a:solidFill>
@@ -2751,16 +2754,16 @@
           <a:cs typeface="+mn-cs"/>
         </a:defRPr>
       </a:lvl6pPr>
-      <a:lvl7pPr marL="2971800" indent="-228600" algn="l" defTabSz="914400" rtl="0" eaLnBrk="1" latinLnBrk="0" hangingPunct="1">
+      <a:lvl7pPr algn="l" defTabSz="914400" eaLnBrk="1" hangingPunct="1" indent="-228600" latinLnBrk="0" marL="2971800" rtl="0">
         <a:lnSpc>
           <a:spcPct val="90000"/>
         </a:lnSpc>
         <a:spcBef>
           <a:spcPts val="500"/>
         </a:spcBef>
-        <a:buFont typeface="Arial" panose="020B0604020202020204" pitchFamily="34" charset="0"/>
+        <a:buFont charset="0" panose="020B0604020202020204" pitchFamily="34" typeface="Arial"/>
         <a:buChar char="•"/>
-        <a:defRPr sz="1800" kern="1200">
+        <a:defRPr kern="1200" sz="1800">
           <a:solidFill>
             <a:schemeClr val="tx1"/>
           </a:solidFill>
@@ -2769,16 +2772,16 @@
           <a:cs typeface="+mn-cs"/>
         </a:defRPr>
       </a:lvl7pPr>
-      <a:lvl8pPr marL="3429000" indent="-228600" algn="l" defTabSz="914400" rtl="0" eaLnBrk="1" latinLnBrk="0" hangingPunct="1">
+      <a:lvl8pPr algn="l" defTabSz="914400" eaLnBrk="1" hangingPunct="1" indent="-228600" latinLnBrk="0" marL="3429000" rtl="0">
         <a:lnSpc>
           <a:spcPct val="90000"/>
         </a:lnSpc>
         <a:spcBef>
           <a:spcPts val="500"/>
         </a:spcBef>
-        <a:buFont typeface="Arial" panose="020B0604020202020204" pitchFamily="34" charset="0"/>
+        <a:buFont charset="0" panose="020B0604020202020204" pitchFamily="34" typeface="Arial"/>
         <a:buChar char="•"/>
-        <a:defRPr sz="1800" kern="1200">
+        <a:defRPr kern="1200" sz="1800">
           <a:solidFill>
             <a:schemeClr val="tx1"/>
           </a:solidFill>
@@ -2787,16 +2790,16 @@
           <a:cs typeface="+mn-cs"/>
         </a:defRPr>
       </a:lvl8pPr>
-      <a:lvl9pPr marL="3886200" indent="-228600" algn="l" defTabSz="914400" rtl="0" eaLnBrk="1" latinLnBrk="0" hangingPunct="1">
+      <a:lvl9pPr algn="l" defTabSz="914400" eaLnBrk="1" hangingPunct="1" indent="-228600" latinLnBrk="0" marL="3886200" rtl="0">
         <a:lnSpc>
           <a:spcPct val="90000"/>
         </a:lnSpc>
         <a:spcBef>
           <a:spcPts val="500"/>
         </a:spcBef>
-        <a:buFont typeface="Arial" panose="020B0604020202020204" pitchFamily="34" charset="0"/>
+        <a:buFont charset="0" panose="020B0604020202020204" pitchFamily="34" typeface="Arial"/>
         <a:buChar char="•"/>
-        <a:defRPr sz="1800" kern="1200">
+        <a:defRPr kern="1200" sz="1800">
           <a:solidFill>
             <a:schemeClr val="tx1"/>
           </a:solidFill>
@@ -2810,8 +2813,8 @@
       <a:defPPr>
         <a:defRPr lang="en-US"/>
       </a:defPPr>
-      <a:lvl1pPr marL="0" algn="l" defTabSz="914400" rtl="0" eaLnBrk="1" latinLnBrk="0" hangingPunct="1">
-        <a:defRPr sz="1800" kern="1200">
+      <a:lvl1pPr algn="l" defTabSz="914400" eaLnBrk="1" hangingPunct="1" latinLnBrk="0" marL="0" rtl="0">
+        <a:defRPr kern="1200" sz="1800">
           <a:solidFill>
             <a:schemeClr val="tx1"/>
           </a:solidFill>
@@ -2820,8 +2823,8 @@
           <a:cs typeface="+mn-cs"/>
         </a:defRPr>
       </a:lvl1pPr>
-      <a:lvl2pPr marL="457200" algn="l" defTabSz="914400" rtl="0" eaLnBrk="1" latinLnBrk="0" hangingPunct="1">
-        <a:defRPr sz="1800" kern="1200">
+      <a:lvl2pPr algn="l" defTabSz="914400" eaLnBrk="1" hangingPunct="1" latinLnBrk="0" marL="457200" rtl="0">
+        <a:defRPr kern="1200" sz="1800">
           <a:solidFill>
             <a:schemeClr val="tx1"/>
           </a:solidFill>
@@ -2830,8 +2833,8 @@
           <a:cs typeface="+mn-cs"/>
         </a:defRPr>
       </a:lvl2pPr>
-      <a:lvl3pPr marL="914400" algn="l" defTabSz="914400" rtl="0" eaLnBrk="1" latinLnBrk="0" hangingPunct="1">
-        <a:defRPr sz="1800" kern="1200">
+      <a:lvl3pPr algn="l" defTabSz="914400" eaLnBrk="1" hangingPunct="1" latinLnBrk="0" marL="914400" rtl="0">
+        <a:defRPr kern="1200" sz="1800">
           <a:solidFill>
             <a:schemeClr val="tx1"/>
           </a:solidFill>
@@ -2840,8 +2843,8 @@
           <a:cs typeface="+mn-cs"/>
         </a:defRPr>
       </a:lvl3pPr>
-      <a:lvl4pPr marL="1371600" algn="l" defTabSz="914400" rtl="0" eaLnBrk="1" latinLnBrk="0" hangingPunct="1">
-        <a:defRPr sz="1800" kern="1200">
+      <a:lvl4pPr algn="l" defTabSz="914400" eaLnBrk="1" hangingPunct="1" latinLnBrk="0" marL="1371600" rtl="0">
+        <a:defRPr kern="1200" sz="1800">
           <a:solidFill>
             <a:schemeClr val="tx1"/>
           </a:solidFill>
@@ -2850,8 +2853,8 @@
           <a:cs typeface="+mn-cs"/>
         </a:defRPr>
       </a:lvl4pPr>
-      <a:lvl5pPr marL="1828800" algn="l" defTabSz="914400" rtl="0" eaLnBrk="1" latinLnBrk="0" hangingPunct="1">
-        <a:defRPr sz="1800" kern="1200">
+      <a:lvl5pPr algn="l" defTabSz="914400" eaLnBrk="1" hangingPunct="1" latinLnBrk="0" marL="1828800" rtl="0">
+        <a:defRPr kern="1200" sz="1800">
           <a:solidFill>
             <a:schemeClr val="tx1"/>
           </a:solidFill>
@@ -2860,8 +2863,8 @@
           <a:cs typeface="+mn-cs"/>
         </a:defRPr>
       </a:lvl5pPr>
-      <a:lvl6pPr marL="2286000" algn="l" defTabSz="914400" rtl="0" eaLnBrk="1" latinLnBrk="0" hangingPunct="1">
-        <a:defRPr sz="1800" kern="1200">
+      <a:lvl6pPr algn="l" defTabSz="914400" eaLnBrk="1" hangingPunct="1" latinLnBrk="0" marL="2286000" rtl="0">
+        <a:defRPr kern="1200" sz="1800">
           <a:solidFill>
             <a:schemeClr val="tx1"/>
           </a:solidFill>
@@ -2870,8 +2873,8 @@
           <a:cs typeface="+mn-cs"/>
         </a:defRPr>
       </a:lvl6pPr>
-      <a:lvl7pPr marL="2743200" algn="l" defTabSz="914400" rtl="0" eaLnBrk="1" latinLnBrk="0" hangingPunct="1">
-        <a:defRPr sz="1800" kern="1200">
+      <a:lvl7pPr algn="l" defTabSz="914400" eaLnBrk="1" hangingPunct="1" latinLnBrk="0" marL="2743200" rtl="0">
+        <a:defRPr kern="1200" sz="1800">
           <a:solidFill>
             <a:schemeClr val="tx1"/>
           </a:solidFill>
@@ -2880,8 +2883,8 @@
           <a:cs typeface="+mn-cs"/>
         </a:defRPr>
       </a:lvl7pPr>
-      <a:lvl8pPr marL="3200400" algn="l" defTabSz="914400" rtl="0" eaLnBrk="1" latinLnBrk="0" hangingPunct="1">
-        <a:defRPr sz="1800" kern="1200">
+      <a:lvl8pPr algn="l" defTabSz="914400" eaLnBrk="1" hangingPunct="1" latinLnBrk="0" marL="3200400" rtl="0">
+        <a:defRPr kern="1200" sz="1800">
           <a:solidFill>
             <a:schemeClr val="tx1"/>
           </a:solidFill>
@@ -2890,8 +2893,8 @@
           <a:cs typeface="+mn-cs"/>
         </a:defRPr>
       </a:lvl8pPr>
-      <a:lvl9pPr marL="3657600" algn="l" defTabSz="914400" rtl="0" eaLnBrk="1" latinLnBrk="0" hangingPunct="1">
-        <a:defRPr sz="1800" kern="1200">
+      <a:lvl9pPr algn="l" defTabSz="914400" eaLnBrk="1" hangingPunct="1" latinLnBrk="0" marL="3657600" rtl="0">
+        <a:defRPr kern="1200" sz="1800">
           <a:solidFill>
             <a:schemeClr val="tx1"/>
           </a:solidFill>
@@ -2940,8 +2943,8 @@
         </p:nvSpPr>
         <p:spPr>
           <a:xfrm>
-            <a:off x="404326" y="1397725"/>
-            <a:ext cx="11383347" cy="1073020"/>
+            <a:off x="7759860" y="0"/>
+            <a:ext cx="4040211" cy="2725093"/>
           </a:xfrm>
           <a:noFill/>
           <a:ln>
@@ -2950,13 +2953,13 @@
         </p:spPr>
         <p:style>
           <a:lnRef idx="0">
-            <a:scrgbClr r="0" g="0" b="0"/>
+            <a:scrgbClr b="0" g="0" r="0"/>
           </a:lnRef>
           <a:fillRef idx="0">
-            <a:scrgbClr r="0" g="0" b="0"/>
+            <a:scrgbClr b="0" g="0" r="0"/>
           </a:fillRef>
           <a:effectRef idx="0">
-            <a:scrgbClr r="0" g="0" b="0"/>
+            <a:scrgbClr b="0" g="0" r="0"/>
           </a:effectRef>
           <a:fontRef idx="minor">
             <a:schemeClr val="lt1"/>
@@ -2966,10 +2969,11 @@
           <a:bodyPr/>
           <a:lstStyle/>
           <a:p>
-            <a:pPr marL="0" lvl="0" indent="0">
+            <a:pPr lvl="0" indent="0" marL="0">
               <a:buNone/>
             </a:pPr>
             <a:r>
+              <a:rPr/>
               <a:t>Go-Around Decision-Making &amp; Execution</a:t>
             </a:r>
           </a:p>
@@ -2988,38 +2992,33 @@
             <a:spLocks noGrp="1"/>
           </p:cNvSpPr>
           <p:nvPr>
-            <p:ph type="subTitle" idx="1"/>
+            <p:ph idx="1" type="subTitle"/>
           </p:nvPr>
         </p:nvSpPr>
         <p:spPr>
           <a:xfrm>
-            <a:off x="1536440" y="2804016"/>
-            <a:ext cx="9144000" cy="716874"/>
+            <a:off x="7759860" y="3345872"/>
+            <a:ext cx="4110715" cy="716874"/>
           </a:xfrm>
         </p:spPr>
         <p:txBody>
-          <a:bodyPr>
-            <a:normAutofit fontScale="70000" lnSpcReduction="20000"/>
-          </a:bodyPr>
+          <a:bodyPr/>
           <a:lstStyle/>
           <a:p>
-            <a:pPr marL="0" lvl="0" indent="0">
+            <a:pPr lvl="0" indent="0" marL="0">
               <a:buNone/>
             </a:pPr>
             <a:r>
+              <a:rPr/>
               <a:t>Presage Group Inc.</a:t>
             </a:r>
             <a:br/>
             <a:br/>
-            <a:endParaRPr/>
           </a:p>
         </p:txBody>
       </p:sp>
     </p:spTree>
   </p:cSld>
-  <p:clrMapOvr>
-    <a:masterClrMapping/>
-  </p:clrMapOvr>
 </p:sld>
 </file>
 
@@ -3068,13 +3067,13 @@
         </p:spPr>
         <p:style>
           <a:lnRef idx="0">
-            <a:scrgbClr r="0" g="0" b="0"/>
+            <a:scrgbClr b="0" g="0" r="0"/>
           </a:lnRef>
           <a:fillRef idx="0">
-            <a:scrgbClr r="0" g="0" b="0"/>
+            <a:scrgbClr b="0" g="0" r="0"/>
           </a:fillRef>
           <a:effectRef idx="0">
-            <a:scrgbClr r="0" g="0" b="0"/>
+            <a:scrgbClr b="0" g="0" r="0"/>
           </a:effectRef>
           <a:fontRef idx="minor">
             <a:schemeClr val="lt1"/>
@@ -3084,10 +3083,11 @@
           <a:bodyPr/>
           <a:lstStyle/>
           <a:p>
-            <a:pPr marL="0" lvl="0" indent="0">
+            <a:pPr lvl="0" indent="0" marL="0">
               <a:buNone/>
             </a:pPr>
             <a:r>
+              <a:rPr/>
               <a:t>Agenda</a:t>
             </a:r>
           </a:p>
@@ -3114,34 +3114,38 @@
           <a:bodyPr/>
           <a:lstStyle/>
           <a:p>
-            <a:pPr marL="457200" lvl="0" indent="-457200">
+            <a:pPr lvl="0" indent="-457200" marL="457200">
               <a:buAutoNum type="arabicPeriod"/>
             </a:pPr>
             <a:r>
+              <a:rPr/>
               <a:t>The Presage Intellectual Property (IP)</a:t>
             </a:r>
           </a:p>
           <a:p>
-            <a:pPr marL="457200" lvl="0" indent="-457200">
+            <a:pPr lvl="0" indent="-457200" marL="457200">
               <a:buAutoNum type="arabicPeriod"/>
             </a:pPr>
             <a:r>
+              <a:rPr/>
               <a:t>Proven results</a:t>
             </a:r>
           </a:p>
           <a:p>
-            <a:pPr marL="457200" lvl="0" indent="-457200">
+            <a:pPr lvl="0" indent="-457200" marL="457200">
               <a:buAutoNum type="arabicPeriod"/>
             </a:pPr>
             <a:r>
+              <a:rPr/>
               <a:t>Phased Methodology and Timeline</a:t>
             </a:r>
           </a:p>
           <a:p>
-            <a:pPr marL="457200" lvl="0" indent="-457200">
+            <a:pPr lvl="0" indent="-457200" marL="457200">
               <a:buAutoNum type="arabicPeriod"/>
             </a:pPr>
             <a:r>
+              <a:rPr/>
               <a:t>Next Steps</a:t>
             </a:r>
           </a:p>
@@ -3149,9 +3153,6 @@
       </p:sp>
     </p:spTree>
   </p:cSld>
-  <p:clrMapOvr>
-    <a:masterClrMapping/>
-  </p:clrMapOvr>
   <p:timing>
     <p:tnLst>
       <p:par>
@@ -3429,13 +3430,13 @@
         </p:spPr>
         <p:style>
           <a:lnRef idx="0">
-            <a:scrgbClr r="0" g="0" b="0"/>
+            <a:scrgbClr b="0" g="0" r="0"/>
           </a:lnRef>
           <a:fillRef idx="0">
-            <a:scrgbClr r="0" g="0" b="0"/>
+            <a:scrgbClr b="0" g="0" r="0"/>
           </a:fillRef>
           <a:effectRef idx="0">
-            <a:scrgbClr r="0" g="0" b="0"/>
+            <a:scrgbClr b="0" g="0" r="0"/>
           </a:effectRef>
           <a:fontRef idx="minor">
             <a:schemeClr val="lt1"/>
@@ -3445,10 +3446,11 @@
           <a:bodyPr/>
           <a:lstStyle/>
           <a:p>
-            <a:pPr marL="0" lvl="0" indent="0">
+            <a:pPr lvl="0" indent="0" marL="0">
               <a:buNone/>
             </a:pPr>
             <a:r>
+              <a:rPr/>
               <a:t>Presage: What are we all about</a:t>
             </a:r>
           </a:p>
@@ -3472,19 +3474,19 @@
         </p:nvSpPr>
         <p:spPr/>
         <p:txBody>
-          <a:bodyPr>
-            <a:normAutofit lnSpcReduction="10000"/>
-          </a:bodyPr>
+          <a:bodyPr/>
           <a:lstStyle/>
           <a:p>
             <a:pPr lvl="0"/>
             <a:r>
+              <a:rPr/>
               <a:t>Pre (early) Sage (Wisdom) – To Foretell – To Predict</a:t>
             </a:r>
           </a:p>
           <a:p>
             <a:pPr lvl="0"/>
             <a:r>
+              <a:rPr/>
               <a:t>Presage has Intellectual Property (IP) that assesses human decision-making in the moment - </a:t>
             </a:r>
             <a:r>
@@ -3495,6 +3497,7 @@
           <a:p>
             <a:pPr lvl="0"/>
             <a:r>
+              <a:rPr/>
               <a:t>Presage wraps this cloud based - global reach IP around a </a:t>
             </a:r>
             <a:r>
@@ -3502,6 +3505,7 @@
               <a:t>near-time analytical and reporting software solution that identifies, quantifies and mitigates</a:t>
             </a:r>
             <a:r>
+              <a:rPr/>
               <a:t> the psychological, social, operational and cultural drivers for employee non-compliance to policies and procedures</a:t>
             </a:r>
           </a:p>
@@ -3512,6 +3516,7 @@
               <a:t>The safety/risk, financial and cultural ROIs are realized across the board</a:t>
             </a:r>
             <a:r>
+              <a:rPr/>
               <a:t>, with significant improvements in leadership accountabilities, operational efficiencies, key safety and risk performance metrics, and employee/customer retention and satisfaction</a:t>
             </a:r>
           </a:p>
@@ -3519,9 +3524,6 @@
       </p:sp>
     </p:spTree>
   </p:cSld>
-  <p:clrMapOvr>
-    <a:masterClrMapping/>
-  </p:clrMapOvr>
   <p:timing>
     <p:tnLst>
       <p:par>
@@ -3773,149 +3775,6 @@
       </p:grpSpPr>
       <p:sp>
         <p:nvSpPr>
-          <p:cNvPr id="3" name="Content Placeholder 2">
-            <a:extLst>
-              <a:ext uri="{FF2B5EF4-FFF2-40B4-BE49-F238E27FC236}">
-                <a16:creationId xmlns:a16="http://schemas.microsoft.com/office/drawing/2014/main" id="{8DE45AB9-CA64-95F1-8013-E31C909E6BF9}"/>
-              </a:ext>
-            </a:extLst>
-          </p:cNvPr>
-          <p:cNvSpPr>
-            <a:spLocks noGrp="1"/>
-          </p:cNvSpPr>
-          <p:nvPr>
-            <p:ph idx="1"/>
-          </p:nvPr>
-        </p:nvSpPr>
-        <p:spPr/>
-        <p:txBody>
-          <a:bodyPr/>
-          <a:lstStyle/>
-          <a:p>
-            <a:pPr lvl="0"/>
-            <a:r>
-              <a:t>Slide with no title</a:t>
-            </a:r>
-          </a:p>
-          <a:p>
-            <a:pPr marL="0" lvl="0" indent="0">
-              <a:buNone/>
-            </a:pPr>
-            <a:r>
-              <a:t>This is not a bullet point</a:t>
-            </a:r>
-          </a:p>
-        </p:txBody>
-      </p:sp>
-    </p:spTree>
-  </p:cSld>
-  <p:clrMapOvr>
-    <a:masterClrMapping/>
-  </p:clrMapOvr>
-  <p:timing>
-    <p:tnLst>
-      <p:par>
-        <p:cTn id="1" dur="indefinite" restart="never" nodeType="tmRoot">
-          <p:childTnLst>
-            <p:seq concurrent="1" nextAc="seek">
-              <p:cTn id="2" dur="indefinite" nodeType="mainSeq">
-                <p:childTnLst>
-                  <p:par>
-                    <p:cTn id="3" fill="hold">
-                      <p:stCondLst>
-                        <p:cond delay="indefinite"/>
-                      </p:stCondLst>
-                      <p:childTnLst>
-                        <p:par>
-                          <p:cTn id="4" fill="hold">
-                            <p:stCondLst>
-                              <p:cond delay="0"/>
-                            </p:stCondLst>
-                            <p:childTnLst>
-                              <p:par>
-                                <p:cTn id="5" presetID="1" presetClass="entr" presetSubtype="0" fill="hold" grpId="0" nodeType="clickEffect">
-                                  <p:stCondLst>
-                                    <p:cond delay="0"/>
-                                  </p:stCondLst>
-                                  <p:childTnLst>
-                                    <p:set>
-                                      <p:cBhvr>
-                                        <p:cTn id="6" dur="1" fill="hold">
-                                          <p:stCondLst>
-                                            <p:cond delay="0"/>
-                                          </p:stCondLst>
-                                        </p:cTn>
-                                        <p:tgtEl>
-                                          <p:spTgt spid="3">
-                                            <p:txEl>
-                                              <p:pRg st="0" end="0"/>
-                                            </p:txEl>
-                                          </p:spTgt>
-                                        </p:tgtEl>
-                                        <p:attrNameLst>
-                                          <p:attrName>style.visibility</p:attrName>
-                                        </p:attrNameLst>
-                                      </p:cBhvr>
-                                      <p:to>
-                                        <p:strVal val="visible"/>
-                                      </p:to>
-                                    </p:set>
-                                  </p:childTnLst>
-                                </p:cTn>
-                              </p:par>
-                            </p:childTnLst>
-                          </p:cTn>
-                        </p:par>
-                      </p:childTnLst>
-                    </p:cTn>
-                  </p:par>
-                </p:childTnLst>
-              </p:cTn>
-              <p:prevCondLst>
-                <p:cond evt="onPrev" delay="0">
-                  <p:tgtEl>
-                    <p:sldTgt/>
-                  </p:tgtEl>
-                </p:cond>
-              </p:prevCondLst>
-              <p:nextCondLst>
-                <p:cond evt="onNext" delay="0">
-                  <p:tgtEl>
-                    <p:sldTgt/>
-                  </p:tgtEl>
-                </p:cond>
-              </p:nextCondLst>
-            </p:seq>
-          </p:childTnLst>
-        </p:cTn>
-      </p:par>
-    </p:tnLst>
-    <p:bldLst>
-      <p:bldP spid="3" grpId="0" uiExpand="1" build="p"/>
-    </p:bldLst>
-  </p:timing>
-</p:sld>
-</file>
-
-<file path=ppt/slides/slide5.xml><?xml version="1.0" encoding="utf-8"?>
-<p:sld xmlns:a="http://schemas.openxmlformats.org/drawingml/2006/main" xmlns:r="http://schemas.openxmlformats.org/officeDocument/2006/relationships" xmlns:p="http://schemas.openxmlformats.org/presentationml/2006/main">
-  <p:cSld>
-    <p:spTree>
-      <p:nvGrpSpPr>
-        <p:cNvPr id="1" name=""/>
-        <p:cNvGrpSpPr/>
-        <p:nvPr/>
-      </p:nvGrpSpPr>
-      <p:grpSpPr>
-        <a:xfrm>
-          <a:off x="0" y="0"/>
-          <a:ext cx="0" cy="0"/>
-          <a:chOff x="0" y="0"/>
-          <a:chExt cx="0" cy="0"/>
-        </a:xfrm>
-      </p:grpSpPr>
-      <p:sp>
-        <p:nvSpPr>
           <p:cNvPr id="2" name="Title 1">
             <a:extLst>
               <a:ext uri="{FF2B5EF4-FFF2-40B4-BE49-F238E27FC236}">
@@ -3942,13 +3801,13 @@
         </p:spPr>
         <p:style>
           <a:lnRef idx="0">
-            <a:scrgbClr r="0" g="0" b="0"/>
+            <a:scrgbClr b="0" g="0" r="0"/>
           </a:lnRef>
           <a:fillRef idx="0">
-            <a:scrgbClr r="0" g="0" b="0"/>
+            <a:scrgbClr b="0" g="0" r="0"/>
           </a:fillRef>
           <a:effectRef idx="0">
-            <a:scrgbClr r="0" g="0" b="0"/>
+            <a:scrgbClr b="0" g="0" r="0"/>
           </a:effectRef>
           <a:fontRef idx="minor">
             <a:schemeClr val="lt1"/>
@@ -3958,11 +3817,12 @@
           <a:bodyPr/>
           <a:lstStyle/>
           <a:p>
-            <a:pPr marL="0" lvl="0" indent="0">
+            <a:pPr lvl="0" indent="0" marL="0">
               <a:buNone/>
             </a:pPr>
             <a:r>
-              <a:t>Slide with explicit incremental list</a:t>
+              <a:rPr/>
+              <a:t>Breakfast</a:t>
             </a:r>
           </a:p>
         </p:txBody>
@@ -3990,26 +3850,21 @@
           <a:p>
             <a:pPr lvl="0"/>
             <a:r>
-              <a:rPr lang="en-US" dirty="0"/>
-              <a:t>Bullet1</a:t>
-            </a:r>
-            <a:endParaRPr dirty="0"/>
+              <a:rPr/>
+              <a:t>Eat eggs</a:t>
+            </a:r>
           </a:p>
           <a:p>
             <a:pPr lvl="0"/>
             <a:r>
-              <a:rPr lang="en-US" dirty="0"/>
-              <a:t>Bullet2</a:t>
-            </a:r>
-            <a:endParaRPr dirty="0"/>
+              <a:rPr/>
+              <a:t>Drink coffee</a:t>
+            </a:r>
           </a:p>
         </p:txBody>
       </p:sp>
     </p:spTree>
   </p:cSld>
-  <p:clrMapOvr>
-    <a:masterClrMapping/>
-  </p:clrMapOvr>
   <p:timing>
     <p:tnLst>
       <p:par>
@@ -4144,7 +3999,392 @@
 </p:sld>
 </file>
 
+<file path=ppt/slides/slide5.xml><?xml version="1.0" encoding="utf-8"?>
+<p:sld xmlns:a="http://schemas.openxmlformats.org/drawingml/2006/main" xmlns:r="http://schemas.openxmlformats.org/officeDocument/2006/relationships" xmlns:p="http://schemas.openxmlformats.org/presentationml/2006/main">
+  <p:cSld>
+    <p:spTree>
+      <p:nvGrpSpPr>
+        <p:cNvPr id="1" name=""/>
+        <p:cNvGrpSpPr/>
+        <p:nvPr/>
+      </p:nvGrpSpPr>
+      <p:grpSpPr>
+        <a:xfrm>
+          <a:off x="0" y="0"/>
+          <a:ext cx="0" cy="0"/>
+          <a:chOff x="0" y="0"/>
+          <a:chExt cx="0" cy="0"/>
+        </a:xfrm>
+      </p:grpSpPr>
+      <p:sp>
+        <p:nvSpPr>
+          <p:cNvPr id="3" name="Content Placeholder 2">
+            <a:extLst>
+              <a:ext uri="{FF2B5EF4-FFF2-40B4-BE49-F238E27FC236}">
+                <a16:creationId xmlns:a16="http://schemas.microsoft.com/office/drawing/2014/main" id="{8DE45AB9-CA64-95F1-8013-E31C909E6BF9}"/>
+              </a:ext>
+            </a:extLst>
+          </p:cNvPr>
+          <p:cNvSpPr>
+            <a:spLocks noGrp="1"/>
+          </p:cNvSpPr>
+          <p:nvPr>
+            <p:ph idx="1"/>
+          </p:nvPr>
+        </p:nvSpPr>
+        <p:spPr/>
+        <p:txBody>
+          <a:bodyPr/>
+          <a:lstStyle/>
+          <a:p>
+            <a:pPr lvl="0"/>
+            <a:r>
+              <a:rPr/>
+              <a:t>Slide with no title</a:t>
+            </a:r>
+          </a:p>
+          <a:p>
+            <a:pPr lvl="0" indent="0" marL="0">
+              <a:buNone/>
+            </a:pPr>
+            <a:r>
+              <a:rPr/>
+              <a:t>This is not a bullet point</a:t>
+            </a:r>
+          </a:p>
+        </p:txBody>
+      </p:sp>
+    </p:spTree>
+  </p:cSld>
+  <p:timing>
+    <p:tnLst>
+      <p:par>
+        <p:cTn id="1" dur="indefinite" restart="never" nodeType="tmRoot">
+          <p:childTnLst>
+            <p:seq concurrent="1" nextAc="seek">
+              <p:cTn id="2" dur="indefinite" nodeType="mainSeq">
+                <p:childTnLst>
+                  <p:par>
+                    <p:cTn id="3" fill="hold">
+                      <p:stCondLst>
+                        <p:cond delay="indefinite"/>
+                      </p:stCondLst>
+                      <p:childTnLst>
+                        <p:par>
+                          <p:cTn id="4" fill="hold">
+                            <p:stCondLst>
+                              <p:cond delay="0"/>
+                            </p:stCondLst>
+                            <p:childTnLst>
+                              <p:par>
+                                <p:cTn id="5" presetID="1" presetClass="entr" presetSubtype="0" fill="hold" grpId="0" nodeType="clickEffect">
+                                  <p:stCondLst>
+                                    <p:cond delay="0"/>
+                                  </p:stCondLst>
+                                  <p:childTnLst>
+                                    <p:set>
+                                      <p:cBhvr>
+                                        <p:cTn id="6" dur="1" fill="hold">
+                                          <p:stCondLst>
+                                            <p:cond delay="0"/>
+                                          </p:stCondLst>
+                                        </p:cTn>
+                                        <p:tgtEl>
+                                          <p:spTgt spid="3">
+                                            <p:txEl>
+                                              <p:pRg st="0" end="0"/>
+                                            </p:txEl>
+                                          </p:spTgt>
+                                        </p:tgtEl>
+                                        <p:attrNameLst>
+                                          <p:attrName>style.visibility</p:attrName>
+                                        </p:attrNameLst>
+                                      </p:cBhvr>
+                                      <p:to>
+                                        <p:strVal val="visible"/>
+                                      </p:to>
+                                    </p:set>
+                                  </p:childTnLst>
+                                </p:cTn>
+                              </p:par>
+                            </p:childTnLst>
+                          </p:cTn>
+                        </p:par>
+                      </p:childTnLst>
+                    </p:cTn>
+                  </p:par>
+                </p:childTnLst>
+              </p:cTn>
+              <p:prevCondLst>
+                <p:cond evt="onPrev" delay="0">
+                  <p:tgtEl>
+                    <p:sldTgt/>
+                  </p:tgtEl>
+                </p:cond>
+              </p:prevCondLst>
+              <p:nextCondLst>
+                <p:cond evt="onNext" delay="0">
+                  <p:tgtEl>
+                    <p:sldTgt/>
+                  </p:tgtEl>
+                </p:cond>
+              </p:nextCondLst>
+            </p:seq>
+          </p:childTnLst>
+        </p:cTn>
+      </p:par>
+    </p:tnLst>
+    <p:bldLst>
+      <p:bldP spid="3" grpId="0" uiExpand="1" build="p"/>
+    </p:bldLst>
+  </p:timing>
+</p:sld>
+</file>
+
 <file path=ppt/slides/slide6.xml><?xml version="1.0" encoding="utf-8"?>
+<p:sld xmlns:a="http://schemas.openxmlformats.org/drawingml/2006/main" xmlns:r="http://schemas.openxmlformats.org/officeDocument/2006/relationships" xmlns:p="http://schemas.openxmlformats.org/presentationml/2006/main">
+  <p:cSld>
+    <p:spTree>
+      <p:nvGrpSpPr>
+        <p:cNvPr id="1" name=""/>
+        <p:cNvGrpSpPr/>
+        <p:nvPr/>
+      </p:nvGrpSpPr>
+      <p:grpSpPr>
+        <a:xfrm>
+          <a:off x="0" y="0"/>
+          <a:ext cx="0" cy="0"/>
+          <a:chOff x="0" y="0"/>
+          <a:chExt cx="0" cy="0"/>
+        </a:xfrm>
+      </p:grpSpPr>
+      <p:sp>
+        <p:nvSpPr>
+          <p:cNvPr id="2" name="Title 1">
+            <a:extLst>
+              <a:ext uri="{FF2B5EF4-FFF2-40B4-BE49-F238E27FC236}">
+                <a16:creationId xmlns:a16="http://schemas.microsoft.com/office/drawing/2014/main" id="{1A583EA5-7937-C97D-9760-9995AE344032}"/>
+              </a:ext>
+            </a:extLst>
+          </p:cNvPr>
+          <p:cNvSpPr>
+            <a:spLocks noGrp="1"/>
+          </p:cNvSpPr>
+          <p:nvPr>
+            <p:ph type="title"/>
+          </p:nvPr>
+        </p:nvSpPr>
+        <p:spPr>
+          <a:xfrm>
+            <a:off x="838200" y="330006"/>
+            <a:ext cx="10515600" cy="1325563"/>
+          </a:xfrm>
+          <a:noFill/>
+          <a:ln>
+            <a:noFill/>
+          </a:ln>
+        </p:spPr>
+        <p:style>
+          <a:lnRef idx="0">
+            <a:scrgbClr b="0" g="0" r="0"/>
+          </a:lnRef>
+          <a:fillRef idx="0">
+            <a:scrgbClr b="0" g="0" r="0"/>
+          </a:fillRef>
+          <a:effectRef idx="0">
+            <a:scrgbClr b="0" g="0" r="0"/>
+          </a:effectRef>
+          <a:fontRef idx="minor">
+            <a:schemeClr val="lt1"/>
+          </a:fontRef>
+        </p:style>
+        <p:txBody>
+          <a:bodyPr/>
+          <a:lstStyle/>
+          <a:p>
+            <a:pPr lvl="0" indent="0" marL="0">
+              <a:buNone/>
+            </a:pPr>
+            <a:r>
+              <a:rPr/>
+              <a:t>Slide with explicit incremental list</a:t>
+            </a:r>
+          </a:p>
+        </p:txBody>
+      </p:sp>
+      <p:sp>
+        <p:nvSpPr>
+          <p:cNvPr id="3" name="Content Placeholder 2">
+            <a:extLst>
+              <a:ext uri="{FF2B5EF4-FFF2-40B4-BE49-F238E27FC236}">
+                <a16:creationId xmlns:a16="http://schemas.microsoft.com/office/drawing/2014/main" id="{8DE45AB9-CA64-95F1-8013-E31C909E6BF9}"/>
+              </a:ext>
+            </a:extLst>
+          </p:cNvPr>
+          <p:cNvSpPr>
+            <a:spLocks noGrp="1"/>
+          </p:cNvSpPr>
+          <p:nvPr>
+            <p:ph idx="1"/>
+          </p:nvPr>
+        </p:nvSpPr>
+        <p:spPr/>
+        <p:txBody>
+          <a:bodyPr/>
+          <a:lstStyle/>
+          <a:p>
+            <a:pPr lvl="0"/>
+            <a:r>
+              <a:rPr/>
+              <a:t>Eat spaghetti</a:t>
+            </a:r>
+          </a:p>
+          <a:p>
+            <a:pPr lvl="0"/>
+            <a:r>
+              <a:rPr/>
+              <a:t>Drink water</a:t>
+            </a:r>
+          </a:p>
+        </p:txBody>
+      </p:sp>
+    </p:spTree>
+  </p:cSld>
+  <p:timing>
+    <p:tnLst>
+      <p:par>
+        <p:cTn id="1" dur="indefinite" restart="never" nodeType="tmRoot">
+          <p:childTnLst>
+            <p:seq concurrent="1" nextAc="seek">
+              <p:cTn id="2" dur="indefinite" nodeType="mainSeq">
+                <p:childTnLst>
+                  <p:par>
+                    <p:cTn id="3" fill="hold">
+                      <p:stCondLst>
+                        <p:cond delay="indefinite"/>
+                      </p:stCondLst>
+                      <p:childTnLst>
+                        <p:par>
+                          <p:cTn id="4" fill="hold">
+                            <p:stCondLst>
+                              <p:cond delay="0"/>
+                            </p:stCondLst>
+                            <p:childTnLst>
+                              <p:par>
+                                <p:cTn id="5" presetID="1" presetClass="entr" presetSubtype="0" fill="hold" grpId="0" nodeType="clickEffect">
+                                  <p:stCondLst>
+                                    <p:cond delay="0"/>
+                                  </p:stCondLst>
+                                  <p:childTnLst>
+                                    <p:set>
+                                      <p:cBhvr>
+                                        <p:cTn id="6" dur="1" fill="hold">
+                                          <p:stCondLst>
+                                            <p:cond delay="0"/>
+                                          </p:stCondLst>
+                                        </p:cTn>
+                                        <p:tgtEl>
+                                          <p:spTgt spid="3">
+                                            <p:txEl>
+                                              <p:pRg st="0" end="0"/>
+                                            </p:txEl>
+                                          </p:spTgt>
+                                        </p:tgtEl>
+                                        <p:attrNameLst>
+                                          <p:attrName>style.visibility</p:attrName>
+                                        </p:attrNameLst>
+                                      </p:cBhvr>
+                                      <p:to>
+                                        <p:strVal val="visible"/>
+                                      </p:to>
+                                    </p:set>
+                                  </p:childTnLst>
+                                </p:cTn>
+                              </p:par>
+                            </p:childTnLst>
+                          </p:cTn>
+                        </p:par>
+                      </p:childTnLst>
+                    </p:cTn>
+                  </p:par>
+                  <p:par>
+                    <p:cTn id="7" fill="hold">
+                      <p:stCondLst>
+                        <p:cond delay="indefinite"/>
+                      </p:stCondLst>
+                      <p:childTnLst>
+                        <p:par>
+                          <p:cTn id="8" fill="hold">
+                            <p:stCondLst>
+                              <p:cond delay="0"/>
+                            </p:stCondLst>
+                            <p:childTnLst>
+                              <p:par>
+                                <p:cTn id="9" presetID="1" presetClass="entr" presetSubtype="0" fill="hold" grpId="0" nodeType="clickEffect">
+                                  <p:stCondLst>
+                                    <p:cond delay="0"/>
+                                  </p:stCondLst>
+                                  <p:childTnLst>
+                                    <p:set>
+                                      <p:cBhvr>
+                                        <p:cTn id="10" dur="1" fill="hold">
+                                          <p:stCondLst>
+                                            <p:cond delay="0"/>
+                                          </p:stCondLst>
+                                        </p:cTn>
+                                        <p:tgtEl>
+                                          <p:spTgt spid="3">
+                                            <p:txEl>
+                                              <p:pRg st="1" end="1"/>
+                                            </p:txEl>
+                                          </p:spTgt>
+                                        </p:tgtEl>
+                                        <p:attrNameLst>
+                                          <p:attrName>style.visibility</p:attrName>
+                                        </p:attrNameLst>
+                                      </p:cBhvr>
+                                      <p:to>
+                                        <p:strVal val="visible"/>
+                                      </p:to>
+                                    </p:set>
+                                  </p:childTnLst>
+                                </p:cTn>
+                              </p:par>
+                            </p:childTnLst>
+                          </p:cTn>
+                        </p:par>
+                      </p:childTnLst>
+                    </p:cTn>
+                  </p:par>
+                </p:childTnLst>
+              </p:cTn>
+              <p:prevCondLst>
+                <p:cond evt="onPrev" delay="0">
+                  <p:tgtEl>
+                    <p:sldTgt/>
+                  </p:tgtEl>
+                </p:cond>
+              </p:prevCondLst>
+              <p:nextCondLst>
+                <p:cond evt="onNext" delay="0">
+                  <p:tgtEl>
+                    <p:sldTgt/>
+                  </p:tgtEl>
+                </p:cond>
+              </p:nextCondLst>
+            </p:seq>
+          </p:childTnLst>
+        </p:cTn>
+      </p:par>
+    </p:tnLst>
+    <p:bldLst>
+      <p:bldP spid="3" grpId="0" uiExpand="1" build="p"/>
+    </p:bldLst>
+  </p:timing>
+</p:sld>
+</file>
+
+<file path=ppt/slides/slide7.xml><?xml version="1.0" encoding="utf-8"?>
 <p:sld xmlns:a="http://schemas.openxmlformats.org/drawingml/2006/main" xmlns:r="http://schemas.openxmlformats.org/officeDocument/2006/relationships" xmlns:p="http://schemas.openxmlformats.org/presentationml/2006/main">
   <p:cSld>
     <p:spTree>
@@ -4182,10 +4422,11 @@
           <a:bodyPr/>
           <a:lstStyle/>
           <a:p>
-            <a:pPr marL="0" lvl="0" indent="0">
+            <a:pPr lvl="0" indent="0" marL="0">
               <a:buNone/>
             </a:pPr>
             <a:r>
+              <a:rPr/>
               <a:t>Multiple Columns</a:t>
             </a:r>
           </a:p>
@@ -4204,7 +4445,7 @@
             <a:spLocks noGrp="1"/>
           </p:cNvSpPr>
           <p:nvPr>
-            <p:ph sz="half" idx="1"/>
+            <p:ph idx="1" sz="half"/>
           </p:nvPr>
         </p:nvSpPr>
         <p:spPr/>
@@ -4212,10 +4453,11 @@
           <a:bodyPr/>
           <a:lstStyle/>
           <a:p>
-            <a:pPr marL="0" lvl="0" indent="0">
+            <a:pPr lvl="0" indent="0" marL="0">
               <a:buNone/>
             </a:pPr>
             <a:r>
+              <a:rPr/>
               <a:t>contents…</a:t>
             </a:r>
           </a:p>
@@ -4234,7 +4476,7 @@
             <a:spLocks noGrp="1"/>
           </p:cNvSpPr>
           <p:nvPr>
-            <p:ph sz="half" idx="2"/>
+            <p:ph idx="2" sz="half"/>
           </p:nvPr>
         </p:nvSpPr>
         <p:spPr/>
@@ -4242,10 +4484,11 @@
           <a:bodyPr/>
           <a:lstStyle/>
           <a:p>
-            <a:pPr marL="0" lvl="0" indent="0">
+            <a:pPr lvl="0" indent="0" marL="0">
               <a:buNone/>
             </a:pPr>
             <a:r>
+              <a:rPr/>
               <a:t>contents…</a:t>
             </a:r>
           </a:p>
@@ -4253,13 +4496,10 @@
       </p:sp>
     </p:spTree>
   </p:cSld>
-  <p:clrMapOvr>
-    <a:masterClrMapping/>
-  </p:clrMapOvr>
 </p:sld>
 </file>
 
-<file path=ppt/slides/slide7.xml><?xml version="1.0" encoding="utf-8"?>
+<file path=ppt/slides/slide8.xml><?xml version="1.0" encoding="utf-8"?>
 <p:sld xmlns:a="http://schemas.openxmlformats.org/drawingml/2006/main" xmlns:r="http://schemas.openxmlformats.org/officeDocument/2006/relationships" xmlns:p="http://schemas.openxmlformats.org/presentationml/2006/main">
   <p:cSld>
     <p:bg>
@@ -4273,7 +4513,7 @@
             <a:fillRect t="-39000" b="-39000"/>
           </a:stretch>
         </a:blipFill>
-        <a:effectLst/>
+        <a:effectsLst/>
       </p:bgPr>
     </p:bg>
     <p:spTree>
@@ -4318,13 +4558,13 @@
         </p:spPr>
         <p:style>
           <a:lnRef idx="0">
-            <a:scrgbClr r="0" g="0" b="0"/>
+            <a:scrgbClr b="0" g="0" r="0"/>
           </a:lnRef>
           <a:fillRef idx="0">
-            <a:scrgbClr r="0" g="0" b="0"/>
+            <a:scrgbClr b="0" g="0" r="0"/>
           </a:fillRef>
           <a:effectRef idx="0">
-            <a:scrgbClr r="0" g="0" b="0"/>
+            <a:scrgbClr b="0" g="0" r="0"/>
           </a:effectRef>
           <a:fontRef idx="minor">
             <a:schemeClr val="lt1"/>
@@ -4334,10 +4574,11 @@
           <a:bodyPr/>
           <a:lstStyle/>
           <a:p>
-            <a:pPr marL="0" lvl="0" indent="0">
+            <a:pPr lvl="0" indent="0" marL="0">
               <a:buNone/>
             </a:pPr>
             <a:r>
+              <a:rPr/>
               <a:t>Slide with background image</a:t>
             </a:r>
           </a:p>
@@ -4345,9 +4586,6 @@
       </p:sp>
     </p:spTree>
   </p:cSld>
-  <p:clrMapOvr>
-    <a:masterClrMapping/>
-  </p:clrMapOvr>
 </p:sld>
 </file>
 
@@ -4570,4 +4808,319 @@
     </a:ext>
   </a:extLst>
 </a:theme>
+</file>
+
+<file path=ppt/theme/theme2.xml><?xml version="1.0" encoding="utf-8"?>
+<a:theme xmlns:a="http://schemas.openxmlformats.org/drawingml/2006/main" name="Office Theme">
+  <a:themeElements>
+    <a:clrScheme name="Office">
+      <a:dk1>
+        <a:sysClr val="windowText" lastClr="000000"/>
+      </a:dk1>
+      <a:lt1>
+        <a:sysClr val="window" lastClr="FFFFFF"/>
+      </a:lt1>
+      <a:dk2>
+        <a:srgbClr val="0E2841"/>
+      </a:dk2>
+      <a:lt2>
+        <a:srgbClr val="E8E8E8"/>
+      </a:lt2>
+      <a:accent1>
+        <a:srgbClr val="156082"/>
+      </a:accent1>
+      <a:accent2>
+        <a:srgbClr val="E97132"/>
+      </a:accent2>
+      <a:accent3>
+        <a:srgbClr val="196B24"/>
+      </a:accent3>
+      <a:accent4>
+        <a:srgbClr val="0F9ED5"/>
+      </a:accent4>
+      <a:accent5>
+        <a:srgbClr val="A02B93"/>
+      </a:accent5>
+      <a:accent6>
+        <a:srgbClr val="4EA72E"/>
+      </a:accent6>
+      <a:hlink>
+        <a:srgbClr val="467886"/>
+      </a:hlink>
+      <a:folHlink>
+        <a:srgbClr val="96607D"/>
+      </a:folHlink>
+    </a:clrScheme>
+    <a:fontScheme name="Office">
+      <a:majorFont>
+        <a:latin typeface="Aptos Display" panose="02110004020202020204"/>
+        <a:ea typeface=""/>
+        <a:cs typeface=""/>
+        <a:font script="Jpan" typeface="游ゴシック Light"/>
+        <a:font script="Hang" typeface="맑은 고딕"/>
+        <a:font script="Hans" typeface="等线 Light"/>
+        <a:font script="Hant" typeface="新細明體"/>
+        <a:font script="Arab" typeface="Times New Roman"/>
+        <a:font script="Hebr" typeface="Times New Roman"/>
+        <a:font script="Thai" typeface="Angsana New"/>
+        <a:font script="Ethi" typeface="Nyala"/>
+        <a:font script="Beng" typeface="Vrinda"/>
+        <a:font script="Gujr" typeface="Shruti"/>
+        <a:font script="Khmr" typeface="MoolBoran"/>
+        <a:font script="Knda" typeface="Tunga"/>
+        <a:font script="Guru" typeface="Raavi"/>
+        <a:font script="Cans" typeface="Euphemia"/>
+        <a:font script="Cher" typeface="Plantagenet Cherokee"/>
+        <a:font script="Yiii" typeface="Microsoft Yi Baiti"/>
+        <a:font script="Tibt" typeface="Microsoft Himalaya"/>
+        <a:font script="Thaa" typeface="MV Boli"/>
+        <a:font script="Deva" typeface="Mangal"/>
+        <a:font script="Telu" typeface="Gautami"/>
+        <a:font script="Taml" typeface="Latha"/>
+        <a:font script="Syrc" typeface="Estrangelo Edessa"/>
+        <a:font script="Orya" typeface="Kalinga"/>
+        <a:font script="Mlym" typeface="Kartika"/>
+        <a:font script="Laoo" typeface="DokChampa"/>
+        <a:font script="Sinh" typeface="Iskoola Pota"/>
+        <a:font script="Mong" typeface="Mongolian Baiti"/>
+        <a:font script="Viet" typeface="Times New Roman"/>
+        <a:font script="Uigh" typeface="Microsoft Uighur"/>
+        <a:font script="Geor" typeface="Sylfaen"/>
+        <a:font script="Armn" typeface="Arial"/>
+        <a:font script="Bugi" typeface="Leelawadee UI"/>
+        <a:font script="Bopo" typeface="Microsoft JhengHei"/>
+        <a:font script="Java" typeface="Javanese Text"/>
+        <a:font script="Lisu" typeface="Segoe UI"/>
+        <a:font script="Mymr" typeface="Myanmar Text"/>
+        <a:font script="Nkoo" typeface="Ebrima"/>
+        <a:font script="Olck" typeface="Nirmala UI"/>
+        <a:font script="Osma" typeface="Ebrima"/>
+        <a:font script="Phag" typeface="Phagspa"/>
+        <a:font script="Syrn" typeface="Estrangelo Edessa"/>
+        <a:font script="Syrj" typeface="Estrangelo Edessa"/>
+        <a:font script="Syre" typeface="Estrangelo Edessa"/>
+        <a:font script="Sora" typeface="Nirmala UI"/>
+        <a:font script="Tale" typeface="Microsoft Tai Le"/>
+        <a:font script="Talu" typeface="Microsoft New Tai Lue"/>
+        <a:font script="Tfng" typeface="Ebrima"/>
+      </a:majorFont>
+      <a:minorFont>
+        <a:latin typeface="Aptos" panose="02110004020202020204"/>
+        <a:ea typeface=""/>
+        <a:cs typeface=""/>
+        <a:font script="Jpan" typeface="游ゴシック"/>
+        <a:font script="Hang" typeface="맑은 고딕"/>
+        <a:font script="Hans" typeface="等线"/>
+        <a:font script="Hant" typeface="新細明體"/>
+        <a:font script="Arab" typeface="Arial"/>
+        <a:font script="Hebr" typeface="Arial"/>
+        <a:font script="Thai" typeface="Cordia New"/>
+        <a:font script="Ethi" typeface="Nyala"/>
+        <a:font script="Beng" typeface="Vrinda"/>
+        <a:font script="Gujr" typeface="Shruti"/>
+        <a:font script="Khmr" typeface="DaunPenh"/>
+        <a:font script="Knda" typeface="Tunga"/>
+        <a:font script="Guru" typeface="Raavi"/>
+        <a:font script="Cans" typeface="Euphemia"/>
+        <a:font script="Cher" typeface="Plantagenet Cherokee"/>
+        <a:font script="Yiii" typeface="Microsoft Yi Baiti"/>
+        <a:font script="Tibt" typeface="Microsoft Himalaya"/>
+        <a:font script="Thaa" typeface="MV Boli"/>
+        <a:font script="Deva" typeface="Mangal"/>
+        <a:font script="Telu" typeface="Gautami"/>
+        <a:font script="Taml" typeface="Latha"/>
+        <a:font script="Syrc" typeface="Estrangelo Edessa"/>
+        <a:font script="Orya" typeface="Kalinga"/>
+        <a:font script="Mlym" typeface="Kartika"/>
+        <a:font script="Laoo" typeface="DokChampa"/>
+        <a:font script="Sinh" typeface="Iskoola Pota"/>
+        <a:font script="Mong" typeface="Mongolian Baiti"/>
+        <a:font script="Viet" typeface="Arial"/>
+        <a:font script="Uigh" typeface="Microsoft Uighur"/>
+        <a:font script="Geor" typeface="Sylfaen"/>
+        <a:font script="Armn" typeface="Arial"/>
+        <a:font script="Bugi" typeface="Leelawadee UI"/>
+        <a:font script="Bopo" typeface="Microsoft JhengHei"/>
+        <a:font script="Java" typeface="Javanese Text"/>
+        <a:font script="Lisu" typeface="Segoe UI"/>
+        <a:font script="Mymr" typeface="Myanmar Text"/>
+        <a:font script="Nkoo" typeface="Ebrima"/>
+        <a:font script="Olck" typeface="Nirmala UI"/>
+        <a:font script="Osma" typeface="Ebrima"/>
+        <a:font script="Phag" typeface="Phagspa"/>
+        <a:font script="Syrn" typeface="Estrangelo Edessa"/>
+        <a:font script="Syrj" typeface="Estrangelo Edessa"/>
+        <a:font script="Syre" typeface="Estrangelo Edessa"/>
+        <a:font script="Sora" typeface="Nirmala UI"/>
+        <a:font script="Tale" typeface="Microsoft Tai Le"/>
+        <a:font script="Talu" typeface="Microsoft New Tai Lue"/>
+        <a:font script="Tfng" typeface="Ebrima"/>
+      </a:minorFont>
+    </a:fontScheme>
+    <a:fmtScheme name="Office">
+      <a:fillStyleLst>
+        <a:solidFill>
+          <a:schemeClr val="phClr"/>
+        </a:solidFill>
+        <a:gradFill rotWithShape="1">
+          <a:gsLst>
+            <a:gs pos="0">
+              <a:schemeClr val="phClr">
+                <a:lumMod val="110000"/>
+                <a:satMod val="105000"/>
+                <a:tint val="67000"/>
+              </a:schemeClr>
+            </a:gs>
+            <a:gs pos="50000">
+              <a:schemeClr val="phClr">
+                <a:lumMod val="105000"/>
+                <a:satMod val="103000"/>
+                <a:tint val="73000"/>
+              </a:schemeClr>
+            </a:gs>
+            <a:gs pos="100000">
+              <a:schemeClr val="phClr">
+                <a:lumMod val="105000"/>
+                <a:satMod val="109000"/>
+                <a:tint val="81000"/>
+              </a:schemeClr>
+            </a:gs>
+          </a:gsLst>
+          <a:lin ang="5400000" scaled="0"/>
+        </a:gradFill>
+        <a:gradFill rotWithShape="1">
+          <a:gsLst>
+            <a:gs pos="0">
+              <a:schemeClr val="phClr">
+                <a:satMod val="103000"/>
+                <a:lumMod val="102000"/>
+                <a:tint val="94000"/>
+              </a:schemeClr>
+            </a:gs>
+            <a:gs pos="50000">
+              <a:schemeClr val="phClr">
+                <a:satMod val="110000"/>
+                <a:lumMod val="100000"/>
+                <a:shade val="100000"/>
+              </a:schemeClr>
+            </a:gs>
+            <a:gs pos="100000">
+              <a:schemeClr val="phClr">
+                <a:lumMod val="99000"/>
+                <a:satMod val="120000"/>
+                <a:shade val="78000"/>
+              </a:schemeClr>
+            </a:gs>
+          </a:gsLst>
+          <a:lin ang="5400000" scaled="0"/>
+        </a:gradFill>
+      </a:fillStyleLst>
+      <a:lnStyleLst>
+        <a:ln w="12700" cap="flat" cmpd="sng" algn="ctr">
+          <a:solidFill>
+            <a:schemeClr val="phClr"/>
+          </a:solidFill>
+          <a:prstDash val="solid"/>
+          <a:miter lim="800000"/>
+        </a:ln>
+        <a:ln w="19050" cap="flat" cmpd="sng" algn="ctr">
+          <a:solidFill>
+            <a:schemeClr val="phClr"/>
+          </a:solidFill>
+          <a:prstDash val="solid"/>
+          <a:miter lim="800000"/>
+        </a:ln>
+        <a:ln w="25400" cap="flat" cmpd="sng" algn="ctr">
+          <a:solidFill>
+            <a:schemeClr val="phClr"/>
+          </a:solidFill>
+          <a:prstDash val="solid"/>
+          <a:miter lim="800000"/>
+        </a:ln>
+      </a:lnStyleLst>
+      <a:effectStyleLst>
+        <a:effectStyle>
+          <a:effectLst/>
+        </a:effectStyle>
+        <a:effectStyle>
+          <a:effectLst/>
+        </a:effectStyle>
+        <a:effectStyle>
+          <a:effectLst>
+            <a:outerShdw blurRad="57150" dist="19050" dir="5400000" algn="ctr" rotWithShape="0">
+              <a:srgbClr val="000000">
+                <a:alpha val="63000"/>
+              </a:srgbClr>
+            </a:outerShdw>
+          </a:effectLst>
+        </a:effectStyle>
+      </a:effectStyleLst>
+      <a:bgFillStyleLst>
+        <a:solidFill>
+          <a:schemeClr val="phClr"/>
+        </a:solidFill>
+        <a:solidFill>
+          <a:schemeClr val="phClr">
+            <a:tint val="95000"/>
+            <a:satMod val="170000"/>
+          </a:schemeClr>
+        </a:solidFill>
+        <a:gradFill rotWithShape="1">
+          <a:gsLst>
+            <a:gs pos="0">
+              <a:schemeClr val="phClr">
+                <a:tint val="93000"/>
+                <a:satMod val="150000"/>
+                <a:shade val="98000"/>
+                <a:lumMod val="102000"/>
+              </a:schemeClr>
+            </a:gs>
+            <a:gs pos="50000">
+              <a:schemeClr val="phClr">
+                <a:tint val="98000"/>
+                <a:satMod val="130000"/>
+                <a:shade val="90000"/>
+                <a:lumMod val="103000"/>
+              </a:schemeClr>
+            </a:gs>
+            <a:gs pos="100000">
+              <a:schemeClr val="phClr">
+                <a:shade val="63000"/>
+                <a:satMod val="120000"/>
+              </a:schemeClr>
+            </a:gs>
+          </a:gsLst>
+          <a:lin ang="5400000" scaled="0"/>
+        </a:gradFill>
+      </a:bgFillStyleLst>
+    </a:fmtScheme>
+  </a:themeElements>
+  <a:objectDefaults>
+    <a:lnDef>
+      <a:spPr/>
+      <a:bodyPr/>
+      <a:lstStyle/>
+      <a:style>
+        <a:lnRef idx="2">
+          <a:schemeClr val="accent1"/>
+        </a:lnRef>
+        <a:fillRef idx="0">
+          <a:schemeClr val="accent1"/>
+        </a:fillRef>
+        <a:effectRef idx="1">
+          <a:schemeClr val="accent1"/>
+        </a:effectRef>
+        <a:fontRef idx="minor">
+          <a:schemeClr val="tx1"/>
+        </a:fontRef>
+      </a:style>
+    </a:lnDef>
+  </a:objectDefaults>
+  <a:extraClrSchemeLst/>
+  <a:extLst>
+    <a:ext uri="{05A4C25C-085E-4340-85A3-A5531E510DB2}">
+      <thm15:themeFamily xmlns:thm15="http://schemas.microsoft.com/office/thememl/2012/main" name="Office Theme" id="{2E142A2C-CD16-42D6-873A-C26D2A0506FA}" vid="{1BDDFF52-6CD6-40A5-AB3C-68EB2F1E4D0A}"/>
+    </a:ext>
+  </a:extLst>
+</a:theme>
 </file>